--- a/Design/Design.pptx
+++ b/Design/Design.pptx
@@ -6,6 +6,8 @@
   </p:sldMasterIdLst>
   <p:sldIdLst>
     <p:sldId id="256" r:id="rId2"/>
+    <p:sldId id="257" r:id="rId3"/>
+    <p:sldId id="258" r:id="rId4"/>
   </p:sldIdLst>
   <p:sldSz cx="12192000" cy="6858000"/>
   <p:notesSz cx="6858000" cy="9144000"/>
@@ -261,7 +263,7 @@
           <a:p>
             <a:fld id="{774F3510-7DF5-466D-B672-2524EDDA058A}" type="datetimeFigureOut">
               <a:rPr lang="fr-CH" smtClean="0"/>
-              <a:t>08.10.2020</a:t>
+              <a:t>12.10.2020</a:t>
             </a:fld>
             <a:endParaRPr lang="fr-CH"/>
           </a:p>
@@ -461,7 +463,7 @@
           <a:p>
             <a:fld id="{774F3510-7DF5-466D-B672-2524EDDA058A}" type="datetimeFigureOut">
               <a:rPr lang="fr-CH" smtClean="0"/>
-              <a:t>08.10.2020</a:t>
+              <a:t>12.10.2020</a:t>
             </a:fld>
             <a:endParaRPr lang="fr-CH"/>
           </a:p>
@@ -671,7 +673,7 @@
           <a:p>
             <a:fld id="{774F3510-7DF5-466D-B672-2524EDDA058A}" type="datetimeFigureOut">
               <a:rPr lang="fr-CH" smtClean="0"/>
-              <a:t>08.10.2020</a:t>
+              <a:t>12.10.2020</a:t>
             </a:fld>
             <a:endParaRPr lang="fr-CH"/>
           </a:p>
@@ -871,7 +873,7 @@
           <a:p>
             <a:fld id="{774F3510-7DF5-466D-B672-2524EDDA058A}" type="datetimeFigureOut">
               <a:rPr lang="fr-CH" smtClean="0"/>
-              <a:t>08.10.2020</a:t>
+              <a:t>12.10.2020</a:t>
             </a:fld>
             <a:endParaRPr lang="fr-CH"/>
           </a:p>
@@ -1147,7 +1149,7 @@
           <a:p>
             <a:fld id="{774F3510-7DF5-466D-B672-2524EDDA058A}" type="datetimeFigureOut">
               <a:rPr lang="fr-CH" smtClean="0"/>
-              <a:t>08.10.2020</a:t>
+              <a:t>12.10.2020</a:t>
             </a:fld>
             <a:endParaRPr lang="fr-CH"/>
           </a:p>
@@ -1415,7 +1417,7 @@
           <a:p>
             <a:fld id="{774F3510-7DF5-466D-B672-2524EDDA058A}" type="datetimeFigureOut">
               <a:rPr lang="fr-CH" smtClean="0"/>
-              <a:t>08.10.2020</a:t>
+              <a:t>12.10.2020</a:t>
             </a:fld>
             <a:endParaRPr lang="fr-CH"/>
           </a:p>
@@ -1830,7 +1832,7 @@
           <a:p>
             <a:fld id="{774F3510-7DF5-466D-B672-2524EDDA058A}" type="datetimeFigureOut">
               <a:rPr lang="fr-CH" smtClean="0"/>
-              <a:t>08.10.2020</a:t>
+              <a:t>12.10.2020</a:t>
             </a:fld>
             <a:endParaRPr lang="fr-CH"/>
           </a:p>
@@ -1972,7 +1974,7 @@
           <a:p>
             <a:fld id="{774F3510-7DF5-466D-B672-2524EDDA058A}" type="datetimeFigureOut">
               <a:rPr lang="fr-CH" smtClean="0"/>
-              <a:t>08.10.2020</a:t>
+              <a:t>12.10.2020</a:t>
             </a:fld>
             <a:endParaRPr lang="fr-CH"/>
           </a:p>
@@ -2085,7 +2087,7 @@
           <a:p>
             <a:fld id="{774F3510-7DF5-466D-B672-2524EDDA058A}" type="datetimeFigureOut">
               <a:rPr lang="fr-CH" smtClean="0"/>
-              <a:t>08.10.2020</a:t>
+              <a:t>12.10.2020</a:t>
             </a:fld>
             <a:endParaRPr lang="fr-CH"/>
           </a:p>
@@ -2398,7 +2400,7 @@
           <a:p>
             <a:fld id="{774F3510-7DF5-466D-B672-2524EDDA058A}" type="datetimeFigureOut">
               <a:rPr lang="fr-CH" smtClean="0"/>
-              <a:t>08.10.2020</a:t>
+              <a:t>12.10.2020</a:t>
             </a:fld>
             <a:endParaRPr lang="fr-CH"/>
           </a:p>
@@ -2687,7 +2689,7 @@
           <a:p>
             <a:fld id="{774F3510-7DF5-466D-B672-2524EDDA058A}" type="datetimeFigureOut">
               <a:rPr lang="fr-CH" smtClean="0"/>
-              <a:t>08.10.2020</a:t>
+              <a:t>12.10.2020</a:t>
             </a:fld>
             <a:endParaRPr lang="fr-CH"/>
           </a:p>
@@ -2930,7 +2932,7 @@
           <a:p>
             <a:fld id="{774F3510-7DF5-466D-B672-2524EDDA058A}" type="datetimeFigureOut">
               <a:rPr lang="fr-CH" smtClean="0"/>
-              <a:t>08.10.2020</a:t>
+              <a:t>12.10.2020</a:t>
             </a:fld>
             <a:endParaRPr lang="fr-CH"/>
           </a:p>
@@ -3851,10 +3853,1742 @@
           </a:prstGeom>
         </p:spPr>
       </p:pic>
+      <p:sp>
+        <p:nvSpPr>
+          <p:cNvPr id="2" name="Rectangle 1">
+            <a:extLst>
+              <a:ext uri="{FF2B5EF4-FFF2-40B4-BE49-F238E27FC236}">
+                <a16:creationId xmlns:a16="http://schemas.microsoft.com/office/drawing/2014/main" id="{F1BA1E0F-DFEB-42A6-8131-42EB63B78E51}"/>
+              </a:ext>
+            </a:extLst>
+          </p:cNvPr>
+          <p:cNvSpPr/>
+          <p:nvPr/>
+        </p:nvSpPr>
+        <p:spPr>
+          <a:xfrm>
+            <a:off x="0" y="0"/>
+            <a:ext cx="922565" cy="383721"/>
+          </a:xfrm>
+          <a:prstGeom prst="rect">
+            <a:avLst/>
+          </a:prstGeom>
+          <a:gradFill flip="none" rotWithShape="1">
+            <a:gsLst>
+              <a:gs pos="0">
+                <a:schemeClr val="accent2">
+                  <a:lumMod val="60000"/>
+                  <a:lumOff val="40000"/>
+                  <a:tint val="66000"/>
+                  <a:satMod val="160000"/>
+                </a:schemeClr>
+              </a:gs>
+              <a:gs pos="50000">
+                <a:schemeClr val="accent2">
+                  <a:lumMod val="60000"/>
+                  <a:lumOff val="40000"/>
+                  <a:tint val="44500"/>
+                  <a:satMod val="160000"/>
+                </a:schemeClr>
+              </a:gs>
+              <a:gs pos="100000">
+                <a:schemeClr val="accent2">
+                  <a:lumMod val="60000"/>
+                  <a:lumOff val="40000"/>
+                  <a:tint val="23500"/>
+                  <a:satMod val="160000"/>
+                </a:schemeClr>
+              </a:gs>
+            </a:gsLst>
+            <a:lin ang="16200000" scaled="1"/>
+            <a:tileRect/>
+          </a:gradFill>
+          <a:ln>
+            <a:noFill/>
+          </a:ln>
+        </p:spPr>
+        <p:style>
+          <a:lnRef idx="2">
+            <a:schemeClr val="dk1"/>
+          </a:lnRef>
+          <a:fillRef idx="1">
+            <a:schemeClr val="lt1"/>
+          </a:fillRef>
+          <a:effectRef idx="0">
+            <a:schemeClr val="dk1"/>
+          </a:effectRef>
+          <a:fontRef idx="minor">
+            <a:schemeClr val="dk1"/>
+          </a:fontRef>
+        </p:style>
+        <p:txBody>
+          <a:bodyPr rtlCol="0" anchor="ctr"/>
+          <a:lstStyle/>
+          <a:p>
+            <a:pPr algn="ctr"/>
+            <a:r>
+              <a:rPr lang="fr-CH" dirty="0"/>
+              <a:t>Rappels</a:t>
+            </a:r>
+          </a:p>
+        </p:txBody>
+      </p:sp>
+      <p:sp>
+        <p:nvSpPr>
+          <p:cNvPr id="4" name="Rectangle 3">
+            <a:extLst>
+              <a:ext uri="{FF2B5EF4-FFF2-40B4-BE49-F238E27FC236}">
+                <a16:creationId xmlns:a16="http://schemas.microsoft.com/office/drawing/2014/main" id="{2609529D-48E2-473C-B8EE-E4C9B5BE66DD}"/>
+              </a:ext>
+            </a:extLst>
+          </p:cNvPr>
+          <p:cNvSpPr/>
+          <p:nvPr/>
+        </p:nvSpPr>
+        <p:spPr>
+          <a:xfrm>
+            <a:off x="922565" y="0"/>
+            <a:ext cx="1449160" cy="383721"/>
+          </a:xfrm>
+          <a:prstGeom prst="rect">
+            <a:avLst/>
+          </a:prstGeom>
+          <a:gradFill flip="none" rotWithShape="1">
+            <a:gsLst>
+              <a:gs pos="0">
+                <a:schemeClr val="bg1">
+                  <a:lumMod val="95000"/>
+                  <a:shade val="30000"/>
+                  <a:satMod val="115000"/>
+                </a:schemeClr>
+              </a:gs>
+              <a:gs pos="50000">
+                <a:schemeClr val="bg1">
+                  <a:lumMod val="95000"/>
+                  <a:shade val="67500"/>
+                  <a:satMod val="115000"/>
+                </a:schemeClr>
+              </a:gs>
+              <a:gs pos="100000">
+                <a:schemeClr val="bg1">
+                  <a:lumMod val="95000"/>
+                  <a:shade val="100000"/>
+                  <a:satMod val="115000"/>
+                </a:schemeClr>
+              </a:gs>
+            </a:gsLst>
+            <a:lin ang="16200000" scaled="1"/>
+            <a:tileRect/>
+          </a:gradFill>
+          <a:ln w="3175">
+            <a:solidFill>
+              <a:schemeClr val="tx1"/>
+            </a:solidFill>
+          </a:ln>
+        </p:spPr>
+        <p:style>
+          <a:lnRef idx="2">
+            <a:schemeClr val="accent1">
+              <a:shade val="50000"/>
+            </a:schemeClr>
+          </a:lnRef>
+          <a:fillRef idx="1">
+            <a:schemeClr val="accent1"/>
+          </a:fillRef>
+          <a:effectRef idx="0">
+            <a:schemeClr val="accent1"/>
+          </a:effectRef>
+          <a:fontRef idx="minor">
+            <a:schemeClr val="lt1"/>
+          </a:fontRef>
+        </p:style>
+        <p:txBody>
+          <a:bodyPr rtlCol="0" anchor="ctr"/>
+          <a:lstStyle/>
+          <a:p>
+            <a:pPr algn="ctr"/>
+            <a:r>
+              <a:rPr lang="fr-CH" dirty="0">
+                <a:solidFill>
+                  <a:schemeClr val="tx1"/>
+                </a:solidFill>
+              </a:rPr>
+              <a:t>Calendrier</a:t>
+            </a:r>
+          </a:p>
+        </p:txBody>
+      </p:sp>
+      <p:sp>
+        <p:nvSpPr>
+          <p:cNvPr id="8" name="Rectangle 7">
+            <a:extLst>
+              <a:ext uri="{FF2B5EF4-FFF2-40B4-BE49-F238E27FC236}">
+                <a16:creationId xmlns:a16="http://schemas.microsoft.com/office/drawing/2014/main" id="{5C7DC238-5EB4-4146-8A75-32EBA31D7F59}"/>
+              </a:ext>
+            </a:extLst>
+          </p:cNvPr>
+          <p:cNvSpPr/>
+          <p:nvPr/>
+        </p:nvSpPr>
+        <p:spPr>
+          <a:xfrm>
+            <a:off x="2377675" y="0"/>
+            <a:ext cx="1449160" cy="383721"/>
+          </a:xfrm>
+          <a:prstGeom prst="rect">
+            <a:avLst/>
+          </a:prstGeom>
+          <a:gradFill flip="none" rotWithShape="1">
+            <a:gsLst>
+              <a:gs pos="0">
+                <a:schemeClr val="bg1">
+                  <a:lumMod val="95000"/>
+                  <a:shade val="30000"/>
+                  <a:satMod val="115000"/>
+                </a:schemeClr>
+              </a:gs>
+              <a:gs pos="50000">
+                <a:schemeClr val="bg1">
+                  <a:lumMod val="95000"/>
+                  <a:shade val="67500"/>
+                  <a:satMod val="115000"/>
+                </a:schemeClr>
+              </a:gs>
+              <a:gs pos="100000">
+                <a:schemeClr val="bg1">
+                  <a:lumMod val="95000"/>
+                  <a:shade val="100000"/>
+                  <a:satMod val="115000"/>
+                </a:schemeClr>
+              </a:gs>
+            </a:gsLst>
+            <a:lin ang="16200000" scaled="1"/>
+            <a:tileRect/>
+          </a:gradFill>
+          <a:ln w="3175">
+            <a:solidFill>
+              <a:schemeClr val="tx1"/>
+            </a:solidFill>
+          </a:ln>
+        </p:spPr>
+        <p:style>
+          <a:lnRef idx="2">
+            <a:schemeClr val="accent1">
+              <a:shade val="50000"/>
+            </a:schemeClr>
+          </a:lnRef>
+          <a:fillRef idx="1">
+            <a:schemeClr val="accent1"/>
+          </a:fillRef>
+          <a:effectRef idx="0">
+            <a:schemeClr val="accent1"/>
+          </a:effectRef>
+          <a:fontRef idx="minor">
+            <a:schemeClr val="lt1"/>
+          </a:fontRef>
+        </p:style>
+        <p:txBody>
+          <a:bodyPr rtlCol="0" anchor="ctr"/>
+          <a:lstStyle/>
+          <a:p>
+            <a:pPr algn="ctr"/>
+            <a:r>
+              <a:rPr lang="fr-CH" dirty="0">
+                <a:solidFill>
+                  <a:schemeClr val="tx1"/>
+                </a:solidFill>
+              </a:rPr>
+              <a:t>Notes</a:t>
+            </a:r>
+          </a:p>
+        </p:txBody>
+      </p:sp>
     </p:spTree>
     <p:extLst>
       <p:ext uri="{BB962C8B-B14F-4D97-AF65-F5344CB8AC3E}">
         <p14:creationId xmlns:p14="http://schemas.microsoft.com/office/powerpoint/2010/main" val="12284393"/>
+      </p:ext>
+    </p:extLst>
+  </p:cSld>
+  <p:clrMapOvr>
+    <a:masterClrMapping/>
+  </p:clrMapOvr>
+</p:sld>
+</file>
+
+<file path=ppt/slides/slide2.xml><?xml version="1.0" encoding="utf-8"?>
+<p:sld xmlns:a="http://schemas.openxmlformats.org/drawingml/2006/main" xmlns:r="http://schemas.openxmlformats.org/officeDocument/2006/relationships" xmlns:p="http://schemas.openxmlformats.org/presentationml/2006/main">
+  <p:cSld>
+    <p:spTree>
+      <p:nvGrpSpPr>
+        <p:cNvPr id="1" name=""/>
+        <p:cNvGrpSpPr/>
+        <p:nvPr/>
+      </p:nvGrpSpPr>
+      <p:grpSpPr>
+        <a:xfrm>
+          <a:off x="0" y="0"/>
+          <a:ext cx="0" cy="0"/>
+          <a:chOff x="0" y="0"/>
+          <a:chExt cx="0" cy="0"/>
+        </a:xfrm>
+      </p:grpSpPr>
+      <p:sp>
+        <p:nvSpPr>
+          <p:cNvPr id="5" name="Rectangle 4">
+            <a:extLst>
+              <a:ext uri="{FF2B5EF4-FFF2-40B4-BE49-F238E27FC236}">
+                <a16:creationId xmlns:a16="http://schemas.microsoft.com/office/drawing/2014/main" id="{D603B30D-DBEB-4897-9810-BC895E8D80D6}"/>
+              </a:ext>
+            </a:extLst>
+          </p:cNvPr>
+          <p:cNvSpPr/>
+          <p:nvPr/>
+        </p:nvSpPr>
+        <p:spPr>
+          <a:xfrm>
+            <a:off x="1069521" y="0"/>
+            <a:ext cx="1239104" cy="383721"/>
+          </a:xfrm>
+          <a:prstGeom prst="rect">
+            <a:avLst/>
+          </a:prstGeom>
+          <a:gradFill flip="none" rotWithShape="1">
+            <a:gsLst>
+              <a:gs pos="0">
+                <a:schemeClr val="accent2">
+                  <a:lumMod val="60000"/>
+                  <a:lumOff val="40000"/>
+                  <a:tint val="66000"/>
+                  <a:satMod val="160000"/>
+                </a:schemeClr>
+              </a:gs>
+              <a:gs pos="50000">
+                <a:schemeClr val="accent2">
+                  <a:lumMod val="60000"/>
+                  <a:lumOff val="40000"/>
+                  <a:tint val="44500"/>
+                  <a:satMod val="160000"/>
+                </a:schemeClr>
+              </a:gs>
+              <a:gs pos="100000">
+                <a:schemeClr val="accent2">
+                  <a:lumMod val="60000"/>
+                  <a:lumOff val="40000"/>
+                  <a:tint val="23500"/>
+                  <a:satMod val="160000"/>
+                </a:schemeClr>
+              </a:gs>
+            </a:gsLst>
+            <a:lin ang="16200000" scaled="1"/>
+            <a:tileRect/>
+          </a:gradFill>
+          <a:ln>
+            <a:noFill/>
+          </a:ln>
+        </p:spPr>
+        <p:style>
+          <a:lnRef idx="2">
+            <a:schemeClr val="dk1"/>
+          </a:lnRef>
+          <a:fillRef idx="1">
+            <a:schemeClr val="lt1"/>
+          </a:fillRef>
+          <a:effectRef idx="0">
+            <a:schemeClr val="dk1"/>
+          </a:effectRef>
+          <a:fontRef idx="minor">
+            <a:schemeClr val="dk1"/>
+          </a:fontRef>
+        </p:style>
+        <p:txBody>
+          <a:bodyPr rtlCol="0" anchor="ctr"/>
+          <a:lstStyle/>
+          <a:p>
+            <a:pPr algn="ctr"/>
+            <a:r>
+              <a:rPr lang="fr-CH" dirty="0"/>
+              <a:t>Calendrier</a:t>
+            </a:r>
+          </a:p>
+        </p:txBody>
+      </p:sp>
+      <p:sp>
+        <p:nvSpPr>
+          <p:cNvPr id="7" name="Rectangle 6">
+            <a:extLst>
+              <a:ext uri="{FF2B5EF4-FFF2-40B4-BE49-F238E27FC236}">
+                <a16:creationId xmlns:a16="http://schemas.microsoft.com/office/drawing/2014/main" id="{30F35514-AB30-4CF9-BC24-4BFCC014C455}"/>
+              </a:ext>
+            </a:extLst>
+          </p:cNvPr>
+          <p:cNvSpPr/>
+          <p:nvPr/>
+        </p:nvSpPr>
+        <p:spPr>
+          <a:xfrm>
+            <a:off x="5950" y="0"/>
+            <a:ext cx="1063571" cy="383721"/>
+          </a:xfrm>
+          <a:prstGeom prst="rect">
+            <a:avLst/>
+          </a:prstGeom>
+          <a:gradFill flip="none" rotWithShape="1">
+            <a:gsLst>
+              <a:gs pos="0">
+                <a:schemeClr val="bg1">
+                  <a:lumMod val="95000"/>
+                  <a:shade val="30000"/>
+                  <a:satMod val="115000"/>
+                </a:schemeClr>
+              </a:gs>
+              <a:gs pos="50000">
+                <a:schemeClr val="bg1">
+                  <a:lumMod val="95000"/>
+                  <a:shade val="67500"/>
+                  <a:satMod val="115000"/>
+                </a:schemeClr>
+              </a:gs>
+              <a:gs pos="100000">
+                <a:schemeClr val="bg1">
+                  <a:lumMod val="95000"/>
+                  <a:shade val="100000"/>
+                  <a:satMod val="115000"/>
+                </a:schemeClr>
+              </a:gs>
+            </a:gsLst>
+            <a:lin ang="16200000" scaled="1"/>
+            <a:tileRect/>
+          </a:gradFill>
+          <a:ln w="3175">
+            <a:solidFill>
+              <a:schemeClr val="tx1"/>
+            </a:solidFill>
+          </a:ln>
+        </p:spPr>
+        <p:style>
+          <a:lnRef idx="2">
+            <a:schemeClr val="accent1">
+              <a:shade val="50000"/>
+            </a:schemeClr>
+          </a:lnRef>
+          <a:fillRef idx="1">
+            <a:schemeClr val="accent1"/>
+          </a:fillRef>
+          <a:effectRef idx="0">
+            <a:schemeClr val="accent1"/>
+          </a:effectRef>
+          <a:fontRef idx="minor">
+            <a:schemeClr val="lt1"/>
+          </a:fontRef>
+        </p:style>
+        <p:txBody>
+          <a:bodyPr rtlCol="0" anchor="ctr"/>
+          <a:lstStyle/>
+          <a:p>
+            <a:pPr algn="ctr"/>
+            <a:r>
+              <a:rPr lang="fr-CH" dirty="0">
+                <a:solidFill>
+                  <a:schemeClr val="tx1"/>
+                </a:solidFill>
+              </a:rPr>
+              <a:t>Rappels</a:t>
+            </a:r>
+          </a:p>
+        </p:txBody>
+      </p:sp>
+      <p:sp>
+        <p:nvSpPr>
+          <p:cNvPr id="9" name="Rectangle 8">
+            <a:extLst>
+              <a:ext uri="{FF2B5EF4-FFF2-40B4-BE49-F238E27FC236}">
+                <a16:creationId xmlns:a16="http://schemas.microsoft.com/office/drawing/2014/main" id="{E478A7FA-E5F0-48F9-A868-27B11500A995}"/>
+              </a:ext>
+            </a:extLst>
+          </p:cNvPr>
+          <p:cNvSpPr/>
+          <p:nvPr/>
+        </p:nvSpPr>
+        <p:spPr>
+          <a:xfrm>
+            <a:off x="2308625" y="-1"/>
+            <a:ext cx="1449160" cy="383721"/>
+          </a:xfrm>
+          <a:prstGeom prst="rect">
+            <a:avLst/>
+          </a:prstGeom>
+          <a:gradFill flip="none" rotWithShape="1">
+            <a:gsLst>
+              <a:gs pos="0">
+                <a:schemeClr val="bg1">
+                  <a:lumMod val="95000"/>
+                  <a:shade val="30000"/>
+                  <a:satMod val="115000"/>
+                </a:schemeClr>
+              </a:gs>
+              <a:gs pos="50000">
+                <a:schemeClr val="bg1">
+                  <a:lumMod val="95000"/>
+                  <a:shade val="67500"/>
+                  <a:satMod val="115000"/>
+                </a:schemeClr>
+              </a:gs>
+              <a:gs pos="100000">
+                <a:schemeClr val="bg1">
+                  <a:lumMod val="95000"/>
+                  <a:shade val="100000"/>
+                  <a:satMod val="115000"/>
+                </a:schemeClr>
+              </a:gs>
+            </a:gsLst>
+            <a:lin ang="16200000" scaled="1"/>
+            <a:tileRect/>
+          </a:gradFill>
+          <a:ln w="3175">
+            <a:solidFill>
+              <a:schemeClr val="tx1"/>
+            </a:solidFill>
+          </a:ln>
+        </p:spPr>
+        <p:style>
+          <a:lnRef idx="2">
+            <a:schemeClr val="accent1">
+              <a:shade val="50000"/>
+            </a:schemeClr>
+          </a:lnRef>
+          <a:fillRef idx="1">
+            <a:schemeClr val="accent1"/>
+          </a:fillRef>
+          <a:effectRef idx="0">
+            <a:schemeClr val="accent1"/>
+          </a:effectRef>
+          <a:fontRef idx="minor">
+            <a:schemeClr val="lt1"/>
+          </a:fontRef>
+        </p:style>
+        <p:txBody>
+          <a:bodyPr rtlCol="0" anchor="ctr"/>
+          <a:lstStyle/>
+          <a:p>
+            <a:pPr algn="ctr"/>
+            <a:r>
+              <a:rPr lang="fr-CH" dirty="0">
+                <a:solidFill>
+                  <a:schemeClr val="tx1"/>
+                </a:solidFill>
+              </a:rPr>
+              <a:t>Notes</a:t>
+            </a:r>
+          </a:p>
+        </p:txBody>
+      </p:sp>
+      <p:graphicFrame>
+        <p:nvGraphicFramePr>
+          <p:cNvPr id="10" name="Tableau 10">
+            <a:extLst>
+              <a:ext uri="{FF2B5EF4-FFF2-40B4-BE49-F238E27FC236}">
+                <a16:creationId xmlns:a16="http://schemas.microsoft.com/office/drawing/2014/main" id="{F4C0BABE-F0F9-4086-B88D-ECAD06528AF9}"/>
+              </a:ext>
+            </a:extLst>
+          </p:cNvPr>
+          <p:cNvGraphicFramePr>
+            <a:graphicFrameLocks noGrp="1"/>
+          </p:cNvGraphicFramePr>
+          <p:nvPr>
+            <p:extLst>
+              <p:ext uri="{D42A27DB-BD31-4B8C-83A1-F6EECF244321}">
+                <p14:modId xmlns:p14="http://schemas.microsoft.com/office/powerpoint/2010/main" val="1973889722"/>
+              </p:ext>
+            </p:extLst>
+          </p:nvPr>
+        </p:nvGraphicFramePr>
+        <p:xfrm>
+          <a:off x="336211" y="1175656"/>
+          <a:ext cx="11738769" cy="5457826"/>
+        </p:xfrm>
+        <a:graphic>
+          <a:graphicData uri="http://schemas.openxmlformats.org/drawingml/2006/table">
+            <a:tbl>
+              <a:tblPr firstRow="1" bandRow="1">
+                <a:tableStyleId>{5C22544A-7EE6-4342-B048-85BDC9FD1C3A}</a:tableStyleId>
+              </a:tblPr>
+              <a:tblGrid>
+                <a:gridCol w="1676967">
+                  <a:extLst>
+                    <a:ext uri="{9D8B030D-6E8A-4147-A177-3AD203B41FA5}">
+                      <a16:colId xmlns:a16="http://schemas.microsoft.com/office/drawing/2014/main" val="1214468436"/>
+                    </a:ext>
+                  </a:extLst>
+                </a:gridCol>
+                <a:gridCol w="1676967">
+                  <a:extLst>
+                    <a:ext uri="{9D8B030D-6E8A-4147-A177-3AD203B41FA5}">
+                      <a16:colId xmlns:a16="http://schemas.microsoft.com/office/drawing/2014/main" val="2776534763"/>
+                    </a:ext>
+                  </a:extLst>
+                </a:gridCol>
+                <a:gridCol w="1676967">
+                  <a:extLst>
+                    <a:ext uri="{9D8B030D-6E8A-4147-A177-3AD203B41FA5}">
+                      <a16:colId xmlns:a16="http://schemas.microsoft.com/office/drawing/2014/main" val="4202343735"/>
+                    </a:ext>
+                  </a:extLst>
+                </a:gridCol>
+                <a:gridCol w="1676967">
+                  <a:extLst>
+                    <a:ext uri="{9D8B030D-6E8A-4147-A177-3AD203B41FA5}">
+                      <a16:colId xmlns:a16="http://schemas.microsoft.com/office/drawing/2014/main" val="1674857536"/>
+                    </a:ext>
+                  </a:extLst>
+                </a:gridCol>
+                <a:gridCol w="1676967">
+                  <a:extLst>
+                    <a:ext uri="{9D8B030D-6E8A-4147-A177-3AD203B41FA5}">
+                      <a16:colId xmlns:a16="http://schemas.microsoft.com/office/drawing/2014/main" val="3041051566"/>
+                    </a:ext>
+                  </a:extLst>
+                </a:gridCol>
+                <a:gridCol w="1676967">
+                  <a:extLst>
+                    <a:ext uri="{9D8B030D-6E8A-4147-A177-3AD203B41FA5}">
+                      <a16:colId xmlns:a16="http://schemas.microsoft.com/office/drawing/2014/main" val="3411931653"/>
+                    </a:ext>
+                  </a:extLst>
+                </a:gridCol>
+                <a:gridCol w="1676967">
+                  <a:extLst>
+                    <a:ext uri="{9D8B030D-6E8A-4147-A177-3AD203B41FA5}">
+                      <a16:colId xmlns:a16="http://schemas.microsoft.com/office/drawing/2014/main" val="384889101"/>
+                    </a:ext>
+                  </a:extLst>
+                </a:gridCol>
+              </a:tblGrid>
+              <a:tr h="443206">
+                <a:tc>
+                  <a:txBody>
+                    <a:bodyPr/>
+                    <a:lstStyle/>
+                    <a:p>
+                      <a:r>
+                        <a:rPr lang="fr-CH" dirty="0"/>
+                        <a:t>Lundi</a:t>
+                      </a:r>
+                    </a:p>
+                  </a:txBody>
+                  <a:tcPr/>
+                </a:tc>
+                <a:tc>
+                  <a:txBody>
+                    <a:bodyPr/>
+                    <a:lstStyle/>
+                    <a:p>
+                      <a:r>
+                        <a:rPr lang="fr-CH" dirty="0"/>
+                        <a:t>Mardi</a:t>
+                      </a:r>
+                    </a:p>
+                  </a:txBody>
+                  <a:tcPr/>
+                </a:tc>
+                <a:tc>
+                  <a:txBody>
+                    <a:bodyPr/>
+                    <a:lstStyle/>
+                    <a:p>
+                      <a:r>
+                        <a:rPr lang="fr-CH" dirty="0"/>
+                        <a:t>Mercredi</a:t>
+                      </a:r>
+                    </a:p>
+                  </a:txBody>
+                  <a:tcPr/>
+                </a:tc>
+                <a:tc>
+                  <a:txBody>
+                    <a:bodyPr/>
+                    <a:lstStyle/>
+                    <a:p>
+                      <a:r>
+                        <a:rPr lang="fr-CH" dirty="0"/>
+                        <a:t>Jeudi</a:t>
+                      </a:r>
+                    </a:p>
+                  </a:txBody>
+                  <a:tcPr/>
+                </a:tc>
+                <a:tc>
+                  <a:txBody>
+                    <a:bodyPr/>
+                    <a:lstStyle/>
+                    <a:p>
+                      <a:r>
+                        <a:rPr lang="fr-CH" dirty="0"/>
+                        <a:t>Vendredi</a:t>
+                      </a:r>
+                    </a:p>
+                  </a:txBody>
+                  <a:tcPr/>
+                </a:tc>
+                <a:tc>
+                  <a:txBody>
+                    <a:bodyPr/>
+                    <a:lstStyle/>
+                    <a:p>
+                      <a:r>
+                        <a:rPr lang="fr-CH" dirty="0"/>
+                        <a:t>Samedi</a:t>
+                      </a:r>
+                    </a:p>
+                  </a:txBody>
+                  <a:tcPr/>
+                </a:tc>
+                <a:tc>
+                  <a:txBody>
+                    <a:bodyPr/>
+                    <a:lstStyle/>
+                    <a:p>
+                      <a:r>
+                        <a:rPr lang="fr-CH" dirty="0"/>
+                        <a:t>Dimanche</a:t>
+                      </a:r>
+                    </a:p>
+                  </a:txBody>
+                  <a:tcPr/>
+                </a:tc>
+                <a:extLst>
+                  <a:ext uri="{0D108BD9-81ED-4DB2-BD59-A6C34878D82A}">
+                    <a16:rowId xmlns:a16="http://schemas.microsoft.com/office/drawing/2014/main" val="1785274733"/>
+                  </a:ext>
+                </a:extLst>
+              </a:tr>
+              <a:tr h="1002924">
+                <a:tc>
+                  <a:txBody>
+                    <a:bodyPr/>
+                    <a:lstStyle/>
+                    <a:p>
+                      <a:r>
+                        <a:rPr lang="fr-CH" dirty="0">
+                          <a:solidFill>
+                            <a:schemeClr val="bg1">
+                              <a:lumMod val="65000"/>
+                            </a:schemeClr>
+                          </a:solidFill>
+                        </a:rPr>
+                        <a:t>28</a:t>
+                      </a:r>
+                    </a:p>
+                  </a:txBody>
+                  <a:tcPr/>
+                </a:tc>
+                <a:tc>
+                  <a:txBody>
+                    <a:bodyPr/>
+                    <a:lstStyle/>
+                    <a:p>
+                      <a:r>
+                        <a:rPr lang="fr-CH" dirty="0">
+                          <a:solidFill>
+                            <a:schemeClr val="bg1">
+                              <a:lumMod val="65000"/>
+                            </a:schemeClr>
+                          </a:solidFill>
+                        </a:rPr>
+                        <a:t>29</a:t>
+                      </a:r>
+                    </a:p>
+                  </a:txBody>
+                  <a:tcPr/>
+                </a:tc>
+                <a:tc>
+                  <a:txBody>
+                    <a:bodyPr/>
+                    <a:lstStyle/>
+                    <a:p>
+                      <a:r>
+                        <a:rPr lang="fr-CH" dirty="0">
+                          <a:solidFill>
+                            <a:schemeClr val="bg1">
+                              <a:lumMod val="65000"/>
+                            </a:schemeClr>
+                          </a:solidFill>
+                        </a:rPr>
+                        <a:t>30</a:t>
+                      </a:r>
+                    </a:p>
+                  </a:txBody>
+                  <a:tcPr/>
+                </a:tc>
+                <a:tc>
+                  <a:txBody>
+                    <a:bodyPr/>
+                    <a:lstStyle/>
+                    <a:p>
+                      <a:r>
+                        <a:rPr lang="fr-CH" dirty="0"/>
+                        <a:t>1</a:t>
+                      </a:r>
+                    </a:p>
+                  </a:txBody>
+                  <a:tcPr/>
+                </a:tc>
+                <a:tc>
+                  <a:txBody>
+                    <a:bodyPr/>
+                    <a:lstStyle/>
+                    <a:p>
+                      <a:r>
+                        <a:rPr lang="fr-CH" dirty="0"/>
+                        <a:t>2</a:t>
+                      </a:r>
+                    </a:p>
+                  </a:txBody>
+                  <a:tcPr/>
+                </a:tc>
+                <a:tc>
+                  <a:txBody>
+                    <a:bodyPr/>
+                    <a:lstStyle/>
+                    <a:p>
+                      <a:r>
+                        <a:rPr lang="fr-CH" dirty="0"/>
+                        <a:t>3</a:t>
+                      </a:r>
+                    </a:p>
+                  </a:txBody>
+                  <a:tcPr/>
+                </a:tc>
+                <a:tc>
+                  <a:txBody>
+                    <a:bodyPr/>
+                    <a:lstStyle/>
+                    <a:p>
+                      <a:r>
+                        <a:rPr lang="fr-CH" dirty="0"/>
+                        <a:t>4</a:t>
+                      </a:r>
+                    </a:p>
+                  </a:txBody>
+                  <a:tcPr/>
+                </a:tc>
+                <a:extLst>
+                  <a:ext uri="{0D108BD9-81ED-4DB2-BD59-A6C34878D82A}">
+                    <a16:rowId xmlns:a16="http://schemas.microsoft.com/office/drawing/2014/main" val="340912055"/>
+                  </a:ext>
+                </a:extLst>
+              </a:tr>
+              <a:tr h="1002924">
+                <a:tc>
+                  <a:txBody>
+                    <a:bodyPr/>
+                    <a:lstStyle/>
+                    <a:p>
+                      <a:r>
+                        <a:rPr lang="fr-CH" dirty="0"/>
+                        <a:t>5</a:t>
+                      </a:r>
+                    </a:p>
+                  </a:txBody>
+                  <a:tcPr/>
+                </a:tc>
+                <a:tc>
+                  <a:txBody>
+                    <a:bodyPr/>
+                    <a:lstStyle/>
+                    <a:p>
+                      <a:r>
+                        <a:rPr lang="fr-CH" dirty="0"/>
+                        <a:t>6</a:t>
+                      </a:r>
+                    </a:p>
+                  </a:txBody>
+                  <a:tcPr/>
+                </a:tc>
+                <a:tc>
+                  <a:txBody>
+                    <a:bodyPr/>
+                    <a:lstStyle/>
+                    <a:p>
+                      <a:r>
+                        <a:rPr lang="fr-CH" dirty="0"/>
+                        <a:t>7</a:t>
+                      </a:r>
+                    </a:p>
+                  </a:txBody>
+                  <a:tcPr/>
+                </a:tc>
+                <a:tc>
+                  <a:txBody>
+                    <a:bodyPr/>
+                    <a:lstStyle/>
+                    <a:p>
+                      <a:r>
+                        <a:rPr lang="fr-CH" dirty="0"/>
+                        <a:t>8</a:t>
+                      </a:r>
+                    </a:p>
+                  </a:txBody>
+                  <a:tcPr/>
+                </a:tc>
+                <a:tc>
+                  <a:txBody>
+                    <a:bodyPr/>
+                    <a:lstStyle/>
+                    <a:p>
+                      <a:r>
+                        <a:rPr lang="fr-CH" dirty="0"/>
+                        <a:t>9</a:t>
+                      </a:r>
+                    </a:p>
+                  </a:txBody>
+                  <a:tcPr/>
+                </a:tc>
+                <a:tc>
+                  <a:txBody>
+                    <a:bodyPr/>
+                    <a:lstStyle/>
+                    <a:p>
+                      <a:r>
+                        <a:rPr lang="fr-CH" dirty="0"/>
+                        <a:t>10</a:t>
+                      </a:r>
+                    </a:p>
+                  </a:txBody>
+                  <a:tcPr/>
+                </a:tc>
+                <a:tc>
+                  <a:txBody>
+                    <a:bodyPr/>
+                    <a:lstStyle/>
+                    <a:p>
+                      <a:r>
+                        <a:rPr lang="fr-CH" dirty="0"/>
+                        <a:t>11</a:t>
+                      </a:r>
+                    </a:p>
+                  </a:txBody>
+                  <a:tcPr/>
+                </a:tc>
+                <a:extLst>
+                  <a:ext uri="{0D108BD9-81ED-4DB2-BD59-A6C34878D82A}">
+                    <a16:rowId xmlns:a16="http://schemas.microsoft.com/office/drawing/2014/main" val="2161192898"/>
+                  </a:ext>
+                </a:extLst>
+              </a:tr>
+              <a:tr h="1002924">
+                <a:tc>
+                  <a:txBody>
+                    <a:bodyPr/>
+                    <a:lstStyle/>
+                    <a:p>
+                      <a:r>
+                        <a:rPr lang="fr-CH" dirty="0">
+                          <a:solidFill>
+                            <a:srgbClr val="FFFF00"/>
+                          </a:solidFill>
+                        </a:rPr>
+                        <a:t>12</a:t>
+                      </a:r>
+                    </a:p>
+                  </a:txBody>
+                  <a:tcPr/>
+                </a:tc>
+                <a:tc>
+                  <a:txBody>
+                    <a:bodyPr/>
+                    <a:lstStyle/>
+                    <a:p>
+                      <a:r>
+                        <a:rPr lang="fr-CH" dirty="0"/>
+                        <a:t>13</a:t>
+                      </a:r>
+                    </a:p>
+                    <a:p>
+                      <a:pPr marL="285750" indent="-285750">
+                        <a:buFont typeface="Arial" panose="020B0604020202020204" pitchFamily="34" charset="0"/>
+                        <a:buChar char="•"/>
+                      </a:pPr>
+                      <a:r>
+                        <a:rPr lang="fr-CH" sz="1200" dirty="0">
+                          <a:solidFill>
+                            <a:srgbClr val="FF0000"/>
+                          </a:solidFill>
+                        </a:rPr>
+                        <a:t>Voir petit fils</a:t>
+                      </a:r>
+                    </a:p>
+                  </a:txBody>
+                  <a:tcPr/>
+                </a:tc>
+                <a:tc>
+                  <a:txBody>
+                    <a:bodyPr/>
+                    <a:lstStyle/>
+                    <a:p>
+                      <a:r>
+                        <a:rPr lang="fr-CH" dirty="0"/>
+                        <a:t>14</a:t>
+                      </a:r>
+                    </a:p>
+                  </a:txBody>
+                  <a:tcPr/>
+                </a:tc>
+                <a:tc>
+                  <a:txBody>
+                    <a:bodyPr/>
+                    <a:lstStyle/>
+                    <a:p>
+                      <a:r>
+                        <a:rPr lang="fr-CH" dirty="0"/>
+                        <a:t>15</a:t>
+                      </a:r>
+                    </a:p>
+                  </a:txBody>
+                  <a:tcPr/>
+                </a:tc>
+                <a:tc>
+                  <a:txBody>
+                    <a:bodyPr/>
+                    <a:lstStyle/>
+                    <a:p>
+                      <a:r>
+                        <a:rPr lang="fr-CH" dirty="0"/>
+                        <a:t>16</a:t>
+                      </a:r>
+                    </a:p>
+                  </a:txBody>
+                  <a:tcPr/>
+                </a:tc>
+                <a:tc>
+                  <a:txBody>
+                    <a:bodyPr/>
+                    <a:lstStyle/>
+                    <a:p>
+                      <a:r>
+                        <a:rPr lang="fr-CH" dirty="0"/>
+                        <a:t>17</a:t>
+                      </a:r>
+                    </a:p>
+                  </a:txBody>
+                  <a:tcPr/>
+                </a:tc>
+                <a:tc>
+                  <a:txBody>
+                    <a:bodyPr/>
+                    <a:lstStyle/>
+                    <a:p>
+                      <a:r>
+                        <a:rPr lang="fr-CH" dirty="0"/>
+                        <a:t>18</a:t>
+                      </a:r>
+                    </a:p>
+                  </a:txBody>
+                  <a:tcPr/>
+                </a:tc>
+                <a:extLst>
+                  <a:ext uri="{0D108BD9-81ED-4DB2-BD59-A6C34878D82A}">
+                    <a16:rowId xmlns:a16="http://schemas.microsoft.com/office/drawing/2014/main" val="1435833417"/>
+                  </a:ext>
+                </a:extLst>
+              </a:tr>
+              <a:tr h="1002924">
+                <a:tc>
+                  <a:txBody>
+                    <a:bodyPr/>
+                    <a:lstStyle/>
+                    <a:p>
+                      <a:r>
+                        <a:rPr lang="fr-CH" dirty="0"/>
+                        <a:t>19</a:t>
+                      </a:r>
+                    </a:p>
+                  </a:txBody>
+                  <a:tcPr/>
+                </a:tc>
+                <a:tc>
+                  <a:txBody>
+                    <a:bodyPr/>
+                    <a:lstStyle/>
+                    <a:p>
+                      <a:r>
+                        <a:rPr lang="fr-CH" dirty="0"/>
+                        <a:t>20</a:t>
+                      </a:r>
+                    </a:p>
+                  </a:txBody>
+                  <a:tcPr/>
+                </a:tc>
+                <a:tc>
+                  <a:txBody>
+                    <a:bodyPr/>
+                    <a:lstStyle/>
+                    <a:p>
+                      <a:r>
+                        <a:rPr lang="fr-CH" dirty="0"/>
+                        <a:t>21</a:t>
+                      </a:r>
+                    </a:p>
+                  </a:txBody>
+                  <a:tcPr/>
+                </a:tc>
+                <a:tc>
+                  <a:txBody>
+                    <a:bodyPr/>
+                    <a:lstStyle/>
+                    <a:p>
+                      <a:r>
+                        <a:rPr lang="fr-CH" dirty="0"/>
+                        <a:t>22</a:t>
+                      </a:r>
+                    </a:p>
+                  </a:txBody>
+                  <a:tcPr/>
+                </a:tc>
+                <a:tc>
+                  <a:txBody>
+                    <a:bodyPr/>
+                    <a:lstStyle/>
+                    <a:p>
+                      <a:r>
+                        <a:rPr lang="fr-CH" dirty="0"/>
+                        <a:t>23</a:t>
+                      </a:r>
+                    </a:p>
+                  </a:txBody>
+                  <a:tcPr/>
+                </a:tc>
+                <a:tc>
+                  <a:txBody>
+                    <a:bodyPr/>
+                    <a:lstStyle/>
+                    <a:p>
+                      <a:r>
+                        <a:rPr lang="fr-CH" dirty="0"/>
+                        <a:t>24</a:t>
+                      </a:r>
+                    </a:p>
+                  </a:txBody>
+                  <a:tcPr/>
+                </a:tc>
+                <a:tc>
+                  <a:txBody>
+                    <a:bodyPr/>
+                    <a:lstStyle/>
+                    <a:p>
+                      <a:r>
+                        <a:rPr lang="fr-CH" dirty="0"/>
+                        <a:t>25</a:t>
+                      </a:r>
+                    </a:p>
+                  </a:txBody>
+                  <a:tcPr/>
+                </a:tc>
+                <a:extLst>
+                  <a:ext uri="{0D108BD9-81ED-4DB2-BD59-A6C34878D82A}">
+                    <a16:rowId xmlns:a16="http://schemas.microsoft.com/office/drawing/2014/main" val="3487581935"/>
+                  </a:ext>
+                </a:extLst>
+              </a:tr>
+              <a:tr h="1002924">
+                <a:tc>
+                  <a:txBody>
+                    <a:bodyPr/>
+                    <a:lstStyle/>
+                    <a:p>
+                      <a:r>
+                        <a:rPr lang="fr-CH" dirty="0"/>
+                        <a:t>26</a:t>
+                      </a:r>
+                    </a:p>
+                  </a:txBody>
+                  <a:tcPr/>
+                </a:tc>
+                <a:tc>
+                  <a:txBody>
+                    <a:bodyPr/>
+                    <a:lstStyle/>
+                    <a:p>
+                      <a:r>
+                        <a:rPr lang="fr-CH" dirty="0"/>
+                        <a:t>27</a:t>
+                      </a:r>
+                    </a:p>
+                  </a:txBody>
+                  <a:tcPr/>
+                </a:tc>
+                <a:tc>
+                  <a:txBody>
+                    <a:bodyPr/>
+                    <a:lstStyle/>
+                    <a:p>
+                      <a:r>
+                        <a:rPr lang="fr-CH" dirty="0"/>
+                        <a:t>28</a:t>
+                      </a:r>
+                    </a:p>
+                  </a:txBody>
+                  <a:tcPr/>
+                </a:tc>
+                <a:tc>
+                  <a:txBody>
+                    <a:bodyPr/>
+                    <a:lstStyle/>
+                    <a:p>
+                      <a:r>
+                        <a:rPr lang="fr-CH" dirty="0"/>
+                        <a:t>29</a:t>
+                      </a:r>
+                    </a:p>
+                  </a:txBody>
+                  <a:tcPr/>
+                </a:tc>
+                <a:tc>
+                  <a:txBody>
+                    <a:bodyPr/>
+                    <a:lstStyle/>
+                    <a:p>
+                      <a:r>
+                        <a:rPr lang="fr-CH" dirty="0"/>
+                        <a:t>30</a:t>
+                      </a:r>
+                    </a:p>
+                  </a:txBody>
+                  <a:tcPr/>
+                </a:tc>
+                <a:tc>
+                  <a:txBody>
+                    <a:bodyPr/>
+                    <a:lstStyle/>
+                    <a:p>
+                      <a:r>
+                        <a:rPr lang="fr-CH" dirty="0"/>
+                        <a:t>31</a:t>
+                      </a:r>
+                    </a:p>
+                  </a:txBody>
+                  <a:tcPr/>
+                </a:tc>
+                <a:tc>
+                  <a:txBody>
+                    <a:bodyPr/>
+                    <a:lstStyle/>
+                    <a:p>
+                      <a:r>
+                        <a:rPr lang="fr-CH" dirty="0">
+                          <a:solidFill>
+                            <a:schemeClr val="bg1">
+                              <a:lumMod val="65000"/>
+                            </a:schemeClr>
+                          </a:solidFill>
+                        </a:rPr>
+                        <a:t>1</a:t>
+                      </a:r>
+                    </a:p>
+                  </a:txBody>
+                  <a:tcPr/>
+                </a:tc>
+                <a:extLst>
+                  <a:ext uri="{0D108BD9-81ED-4DB2-BD59-A6C34878D82A}">
+                    <a16:rowId xmlns:a16="http://schemas.microsoft.com/office/drawing/2014/main" val="2450297379"/>
+                  </a:ext>
+                </a:extLst>
+              </a:tr>
+            </a:tbl>
+          </a:graphicData>
+        </a:graphic>
+      </p:graphicFrame>
+      <p:sp>
+        <p:nvSpPr>
+          <p:cNvPr id="11" name="ZoneTexte 10">
+            <a:extLst>
+              <a:ext uri="{FF2B5EF4-FFF2-40B4-BE49-F238E27FC236}">
+                <a16:creationId xmlns:a16="http://schemas.microsoft.com/office/drawing/2014/main" id="{FD91D5C9-CC5B-4B96-BEB2-50B421AA7EBB}"/>
+              </a:ext>
+            </a:extLst>
+          </p:cNvPr>
+          <p:cNvSpPr txBox="1"/>
+          <p:nvPr/>
+        </p:nvSpPr>
+        <p:spPr>
+          <a:xfrm>
+            <a:off x="336211" y="695172"/>
+            <a:ext cx="1466620" cy="369332"/>
+          </a:xfrm>
+          <a:prstGeom prst="rect">
+            <a:avLst/>
+          </a:prstGeom>
+          <a:noFill/>
+        </p:spPr>
+        <p:txBody>
+          <a:bodyPr wrap="none" rtlCol="0">
+            <a:spAutoFit/>
+          </a:bodyPr>
+          <a:lstStyle/>
+          <a:p>
+            <a:r>
+              <a:rPr lang="fr-CH" dirty="0"/>
+              <a:t>Octobre 2020</a:t>
+            </a:r>
+          </a:p>
+        </p:txBody>
+      </p:sp>
+    </p:spTree>
+    <p:extLst>
+      <p:ext uri="{BB962C8B-B14F-4D97-AF65-F5344CB8AC3E}">
+        <p14:creationId xmlns:p14="http://schemas.microsoft.com/office/powerpoint/2010/main" val="301475109"/>
+      </p:ext>
+    </p:extLst>
+  </p:cSld>
+  <p:clrMapOvr>
+    <a:masterClrMapping/>
+  </p:clrMapOvr>
+</p:sld>
+</file>
+
+<file path=ppt/slides/slide3.xml><?xml version="1.0" encoding="utf-8"?>
+<p:sld xmlns:a="http://schemas.openxmlformats.org/drawingml/2006/main" xmlns:r="http://schemas.openxmlformats.org/officeDocument/2006/relationships" xmlns:p="http://schemas.openxmlformats.org/presentationml/2006/main">
+  <p:cSld>
+    <p:spTree>
+      <p:nvGrpSpPr>
+        <p:cNvPr id="1" name=""/>
+        <p:cNvGrpSpPr/>
+        <p:nvPr/>
+      </p:nvGrpSpPr>
+      <p:grpSpPr>
+        <a:xfrm>
+          <a:off x="0" y="0"/>
+          <a:ext cx="0" cy="0"/>
+          <a:chOff x="0" y="0"/>
+          <a:chExt cx="0" cy="0"/>
+        </a:xfrm>
+      </p:grpSpPr>
+      <p:sp>
+        <p:nvSpPr>
+          <p:cNvPr id="5" name="Rectangle 4">
+            <a:extLst>
+              <a:ext uri="{FF2B5EF4-FFF2-40B4-BE49-F238E27FC236}">
+                <a16:creationId xmlns:a16="http://schemas.microsoft.com/office/drawing/2014/main" id="{DC96F8D2-F2C5-40F4-8A0C-7FB00A653F60}"/>
+              </a:ext>
+            </a:extLst>
+          </p:cNvPr>
+          <p:cNvSpPr/>
+          <p:nvPr/>
+        </p:nvSpPr>
+        <p:spPr>
+          <a:xfrm>
+            <a:off x="2371725" y="-1"/>
+            <a:ext cx="1220561" cy="383721"/>
+          </a:xfrm>
+          <a:prstGeom prst="rect">
+            <a:avLst/>
+          </a:prstGeom>
+          <a:gradFill flip="none" rotWithShape="1">
+            <a:gsLst>
+              <a:gs pos="0">
+                <a:schemeClr val="accent2">
+                  <a:lumMod val="60000"/>
+                  <a:lumOff val="40000"/>
+                  <a:tint val="66000"/>
+                  <a:satMod val="160000"/>
+                </a:schemeClr>
+              </a:gs>
+              <a:gs pos="50000">
+                <a:schemeClr val="accent2">
+                  <a:lumMod val="60000"/>
+                  <a:lumOff val="40000"/>
+                  <a:tint val="44500"/>
+                  <a:satMod val="160000"/>
+                </a:schemeClr>
+              </a:gs>
+              <a:gs pos="100000">
+                <a:schemeClr val="accent2">
+                  <a:lumMod val="60000"/>
+                  <a:lumOff val="40000"/>
+                  <a:tint val="23500"/>
+                  <a:satMod val="160000"/>
+                </a:schemeClr>
+              </a:gs>
+            </a:gsLst>
+            <a:lin ang="16200000" scaled="1"/>
+            <a:tileRect/>
+          </a:gradFill>
+          <a:ln>
+            <a:noFill/>
+          </a:ln>
+        </p:spPr>
+        <p:style>
+          <a:lnRef idx="2">
+            <a:schemeClr val="dk1"/>
+          </a:lnRef>
+          <a:fillRef idx="1">
+            <a:schemeClr val="lt1"/>
+          </a:fillRef>
+          <a:effectRef idx="0">
+            <a:schemeClr val="dk1"/>
+          </a:effectRef>
+          <a:fontRef idx="minor">
+            <a:schemeClr val="dk1"/>
+          </a:fontRef>
+        </p:style>
+        <p:txBody>
+          <a:bodyPr rtlCol="0" anchor="ctr"/>
+          <a:lstStyle/>
+          <a:p>
+            <a:pPr algn="ctr"/>
+            <a:r>
+              <a:rPr lang="fr-CH" dirty="0"/>
+              <a:t>Notes</a:t>
+            </a:r>
+          </a:p>
+        </p:txBody>
+      </p:sp>
+      <p:sp>
+        <p:nvSpPr>
+          <p:cNvPr id="7" name="Rectangle 6">
+            <a:extLst>
+              <a:ext uri="{FF2B5EF4-FFF2-40B4-BE49-F238E27FC236}">
+                <a16:creationId xmlns:a16="http://schemas.microsoft.com/office/drawing/2014/main" id="{79B14207-1060-40D0-B93F-5FCA4257EDD4}"/>
+              </a:ext>
+            </a:extLst>
+          </p:cNvPr>
+          <p:cNvSpPr/>
+          <p:nvPr/>
+        </p:nvSpPr>
+        <p:spPr>
+          <a:xfrm>
+            <a:off x="922565" y="0"/>
+            <a:ext cx="1449160" cy="383721"/>
+          </a:xfrm>
+          <a:prstGeom prst="rect">
+            <a:avLst/>
+          </a:prstGeom>
+          <a:gradFill flip="none" rotWithShape="1">
+            <a:gsLst>
+              <a:gs pos="0">
+                <a:schemeClr val="bg1">
+                  <a:lumMod val="95000"/>
+                  <a:shade val="30000"/>
+                  <a:satMod val="115000"/>
+                </a:schemeClr>
+              </a:gs>
+              <a:gs pos="50000">
+                <a:schemeClr val="bg1">
+                  <a:lumMod val="95000"/>
+                  <a:shade val="67500"/>
+                  <a:satMod val="115000"/>
+                </a:schemeClr>
+              </a:gs>
+              <a:gs pos="100000">
+                <a:schemeClr val="bg1">
+                  <a:lumMod val="95000"/>
+                  <a:shade val="100000"/>
+                  <a:satMod val="115000"/>
+                </a:schemeClr>
+              </a:gs>
+            </a:gsLst>
+            <a:lin ang="16200000" scaled="1"/>
+            <a:tileRect/>
+          </a:gradFill>
+          <a:ln w="3175">
+            <a:solidFill>
+              <a:schemeClr val="tx1"/>
+            </a:solidFill>
+          </a:ln>
+        </p:spPr>
+        <p:style>
+          <a:lnRef idx="2">
+            <a:schemeClr val="accent1">
+              <a:shade val="50000"/>
+            </a:schemeClr>
+          </a:lnRef>
+          <a:fillRef idx="1">
+            <a:schemeClr val="accent1"/>
+          </a:fillRef>
+          <a:effectRef idx="0">
+            <a:schemeClr val="accent1"/>
+          </a:effectRef>
+          <a:fontRef idx="minor">
+            <a:schemeClr val="lt1"/>
+          </a:fontRef>
+        </p:style>
+        <p:txBody>
+          <a:bodyPr rtlCol="0" anchor="ctr"/>
+          <a:lstStyle/>
+          <a:p>
+            <a:pPr algn="ctr"/>
+            <a:r>
+              <a:rPr lang="fr-CH" dirty="0">
+                <a:solidFill>
+                  <a:schemeClr val="tx1"/>
+                </a:solidFill>
+              </a:rPr>
+              <a:t>Calendrier</a:t>
+            </a:r>
+          </a:p>
+        </p:txBody>
+      </p:sp>
+      <p:sp>
+        <p:nvSpPr>
+          <p:cNvPr id="9" name="Rectangle 8">
+            <a:extLst>
+              <a:ext uri="{FF2B5EF4-FFF2-40B4-BE49-F238E27FC236}">
+                <a16:creationId xmlns:a16="http://schemas.microsoft.com/office/drawing/2014/main" id="{619AC119-1FF6-48A0-9AD0-1AB91C5706C8}"/>
+              </a:ext>
+            </a:extLst>
+          </p:cNvPr>
+          <p:cNvSpPr/>
+          <p:nvPr/>
+        </p:nvSpPr>
+        <p:spPr>
+          <a:xfrm>
+            <a:off x="0" y="0"/>
+            <a:ext cx="922565" cy="383721"/>
+          </a:xfrm>
+          <a:prstGeom prst="rect">
+            <a:avLst/>
+          </a:prstGeom>
+          <a:gradFill flip="none" rotWithShape="1">
+            <a:gsLst>
+              <a:gs pos="0">
+                <a:schemeClr val="bg1">
+                  <a:lumMod val="95000"/>
+                  <a:shade val="30000"/>
+                  <a:satMod val="115000"/>
+                </a:schemeClr>
+              </a:gs>
+              <a:gs pos="50000">
+                <a:schemeClr val="bg1">
+                  <a:lumMod val="95000"/>
+                  <a:shade val="67500"/>
+                  <a:satMod val="115000"/>
+                </a:schemeClr>
+              </a:gs>
+              <a:gs pos="100000">
+                <a:schemeClr val="bg1">
+                  <a:lumMod val="95000"/>
+                  <a:shade val="100000"/>
+                  <a:satMod val="115000"/>
+                </a:schemeClr>
+              </a:gs>
+            </a:gsLst>
+            <a:lin ang="16200000" scaled="1"/>
+            <a:tileRect/>
+          </a:gradFill>
+          <a:ln w="3175">
+            <a:solidFill>
+              <a:schemeClr val="tx1"/>
+            </a:solidFill>
+          </a:ln>
+        </p:spPr>
+        <p:style>
+          <a:lnRef idx="2">
+            <a:schemeClr val="accent1">
+              <a:shade val="50000"/>
+            </a:schemeClr>
+          </a:lnRef>
+          <a:fillRef idx="1">
+            <a:schemeClr val="accent1"/>
+          </a:fillRef>
+          <a:effectRef idx="0">
+            <a:schemeClr val="accent1"/>
+          </a:effectRef>
+          <a:fontRef idx="minor">
+            <a:schemeClr val="lt1"/>
+          </a:fontRef>
+        </p:style>
+        <p:txBody>
+          <a:bodyPr rtlCol="0" anchor="ctr"/>
+          <a:lstStyle/>
+          <a:p>
+            <a:pPr algn="ctr"/>
+            <a:r>
+              <a:rPr lang="fr-CH" dirty="0">
+                <a:solidFill>
+                  <a:schemeClr val="tx1"/>
+                </a:solidFill>
+              </a:rPr>
+              <a:t>Rappels</a:t>
+            </a:r>
+          </a:p>
+        </p:txBody>
+      </p:sp>
+      <p:sp>
+        <p:nvSpPr>
+          <p:cNvPr id="11" name="Bulle narrative : rectangle 10">
+            <a:extLst>
+              <a:ext uri="{FF2B5EF4-FFF2-40B4-BE49-F238E27FC236}">
+                <a16:creationId xmlns:a16="http://schemas.microsoft.com/office/drawing/2014/main" id="{B2050369-3EF0-4717-A80A-C31BEC091402}"/>
+              </a:ext>
+            </a:extLst>
+          </p:cNvPr>
+          <p:cNvSpPr/>
+          <p:nvPr/>
+        </p:nvSpPr>
+        <p:spPr>
+          <a:xfrm>
+            <a:off x="1134835" y="1289957"/>
+            <a:ext cx="1714501" cy="612648"/>
+          </a:xfrm>
+          <a:prstGeom prst="wedgeRectCallout">
+            <a:avLst/>
+          </a:prstGeom>
+          <a:solidFill>
+            <a:schemeClr val="bg1"/>
+          </a:solidFill>
+        </p:spPr>
+        <p:style>
+          <a:lnRef idx="2">
+            <a:schemeClr val="accent1">
+              <a:shade val="50000"/>
+            </a:schemeClr>
+          </a:lnRef>
+          <a:fillRef idx="1">
+            <a:schemeClr val="accent1"/>
+          </a:fillRef>
+          <a:effectRef idx="0">
+            <a:schemeClr val="accent1"/>
+          </a:effectRef>
+          <a:fontRef idx="minor">
+            <a:schemeClr val="lt1"/>
+          </a:fontRef>
+        </p:style>
+        <p:txBody>
+          <a:bodyPr rtlCol="0" anchor="ctr"/>
+          <a:lstStyle/>
+          <a:p>
+            <a:pPr algn="r"/>
+            <a:r>
+              <a:rPr lang="fr-CH" dirty="0">
+                <a:solidFill>
+                  <a:schemeClr val="tx1"/>
+                </a:solidFill>
+              </a:rPr>
+              <a:t>Police : 117  </a:t>
+            </a:r>
+          </a:p>
+        </p:txBody>
+      </p:sp>
+      <p:pic>
+        <p:nvPicPr>
+          <p:cNvPr id="13" name="Image 12">
+            <a:extLst>
+              <a:ext uri="{FF2B5EF4-FFF2-40B4-BE49-F238E27FC236}">
+                <a16:creationId xmlns:a16="http://schemas.microsoft.com/office/drawing/2014/main" id="{C4C603A0-B6F2-413F-B251-E1DFDF224A88}"/>
+              </a:ext>
+            </a:extLst>
+          </p:cNvPr>
+          <p:cNvPicPr>
+            <a:picLocks noChangeAspect="1"/>
+          </p:cNvPicPr>
+          <p:nvPr/>
+        </p:nvPicPr>
+        <p:blipFill>
+          <a:blip r:embed="rId2"/>
+          <a:stretch>
+            <a:fillRect/>
+          </a:stretch>
+        </p:blipFill>
+        <p:spPr>
+          <a:xfrm>
+            <a:off x="1274310" y="1412382"/>
+            <a:ext cx="372835" cy="367797"/>
+          </a:xfrm>
+          <a:prstGeom prst="rect">
+            <a:avLst/>
+          </a:prstGeom>
+        </p:spPr>
+      </p:pic>
+      <p:sp>
+        <p:nvSpPr>
+          <p:cNvPr id="15" name="Bulle narrative : rectangle 14">
+            <a:extLst>
+              <a:ext uri="{FF2B5EF4-FFF2-40B4-BE49-F238E27FC236}">
+                <a16:creationId xmlns:a16="http://schemas.microsoft.com/office/drawing/2014/main" id="{F6969F65-59D8-4C5E-A4AE-124E6F7F7EE2}"/>
+              </a:ext>
+            </a:extLst>
+          </p:cNvPr>
+          <p:cNvSpPr/>
+          <p:nvPr/>
+        </p:nvSpPr>
+        <p:spPr>
+          <a:xfrm>
+            <a:off x="1134834" y="2336346"/>
+            <a:ext cx="2265591" cy="612648"/>
+          </a:xfrm>
+          <a:prstGeom prst="wedgeRectCallout">
+            <a:avLst/>
+          </a:prstGeom>
+          <a:solidFill>
+            <a:schemeClr val="bg1"/>
+          </a:solidFill>
+        </p:spPr>
+        <p:style>
+          <a:lnRef idx="2">
+            <a:schemeClr val="accent1">
+              <a:shade val="50000"/>
+            </a:schemeClr>
+          </a:lnRef>
+          <a:fillRef idx="1">
+            <a:schemeClr val="accent1"/>
+          </a:fillRef>
+          <a:effectRef idx="0">
+            <a:schemeClr val="accent1"/>
+          </a:effectRef>
+          <a:fontRef idx="minor">
+            <a:schemeClr val="lt1"/>
+          </a:fontRef>
+        </p:style>
+        <p:txBody>
+          <a:bodyPr rtlCol="0" anchor="ctr"/>
+          <a:lstStyle/>
+          <a:p>
+            <a:pPr algn="r"/>
+            <a:r>
+              <a:rPr lang="fr-CH" dirty="0">
+                <a:solidFill>
+                  <a:schemeClr val="tx1"/>
+                </a:solidFill>
+              </a:rPr>
+              <a:t>Ambulance : 144  </a:t>
+            </a:r>
+          </a:p>
+        </p:txBody>
+      </p:sp>
+      <p:pic>
+        <p:nvPicPr>
+          <p:cNvPr id="17" name="Image 16">
+            <a:extLst>
+              <a:ext uri="{FF2B5EF4-FFF2-40B4-BE49-F238E27FC236}">
+                <a16:creationId xmlns:a16="http://schemas.microsoft.com/office/drawing/2014/main" id="{03DCDFB0-FA25-455B-94A9-F82E0C8A5F53}"/>
+              </a:ext>
+            </a:extLst>
+          </p:cNvPr>
+          <p:cNvPicPr>
+            <a:picLocks noChangeAspect="1"/>
+          </p:cNvPicPr>
+          <p:nvPr/>
+        </p:nvPicPr>
+        <p:blipFill>
+          <a:blip r:embed="rId2"/>
+          <a:stretch>
+            <a:fillRect/>
+          </a:stretch>
+        </p:blipFill>
+        <p:spPr>
+          <a:xfrm>
+            <a:off x="1274310" y="2458771"/>
+            <a:ext cx="372835" cy="367797"/>
+          </a:xfrm>
+          <a:prstGeom prst="rect">
+            <a:avLst/>
+          </a:prstGeom>
+        </p:spPr>
+      </p:pic>
+    </p:spTree>
+    <p:extLst>
+      <p:ext uri="{BB962C8B-B14F-4D97-AF65-F5344CB8AC3E}">
+        <p14:creationId xmlns:p14="http://schemas.microsoft.com/office/powerpoint/2010/main" val="2296804384"/>
       </p:ext>
     </p:extLst>
   </p:cSld>

--- a/Design/Design.pptx
+++ b/Design/Design.pptx
@@ -3349,57 +3349,6 @@
           <a:chExt cx="0" cy="0"/>
         </a:xfrm>
       </p:grpSpPr>
-      <p:sp>
-        <p:nvSpPr>
-          <p:cNvPr id="5" name="Rectangle 4">
-            <a:extLst>
-              <a:ext uri="{FF2B5EF4-FFF2-40B4-BE49-F238E27FC236}">
-                <a16:creationId xmlns:a16="http://schemas.microsoft.com/office/drawing/2014/main" id="{1E17D7A6-727B-4764-B67E-59C930070465}"/>
-              </a:ext>
-            </a:extLst>
-          </p:cNvPr>
-          <p:cNvSpPr/>
-          <p:nvPr/>
-        </p:nvSpPr>
-        <p:spPr>
-          <a:xfrm>
-            <a:off x="3977473" y="250768"/>
-            <a:ext cx="4237058" cy="923330"/>
-          </a:xfrm>
-          <a:prstGeom prst="rect">
-            <a:avLst/>
-          </a:prstGeom>
-          <a:noFill/>
-        </p:spPr>
-        <p:txBody>
-          <a:bodyPr wrap="none" lIns="91440" tIns="45720" rIns="91440" bIns="45720">
-            <a:spAutoFit/>
-          </a:bodyPr>
-          <a:lstStyle/>
-          <a:p>
-            <a:pPr algn="ctr"/>
-            <a:r>
-              <a:rPr lang="fr-FR" sz="5400" b="1" cap="none" spc="0" dirty="0">
-                <a:ln w="6600">
-                  <a:solidFill>
-                    <a:schemeClr val="accent2"/>
-                  </a:solidFill>
-                  <a:prstDash val="solid"/>
-                </a:ln>
-                <a:solidFill>
-                  <a:srgbClr val="FFFFFF"/>
-                </a:solidFill>
-                <a:effectLst>
-                  <a:outerShdw dist="38100" dir="2700000" algn="tl" rotWithShape="0">
-                    <a:schemeClr val="accent2"/>
-                  </a:outerShdw>
-                </a:effectLst>
-              </a:rPr>
-              <a:t>Rappelle-moi!</a:t>
-            </a:r>
-          </a:p>
-        </p:txBody>
-      </p:sp>
       <p:pic>
         <p:nvPicPr>
           <p:cNvPr id="1026" name="Picture 2" descr="Free icon &quot;Bear icon&quot; by Vecteezy.com">
@@ -3563,10 +3512,10 @@
       </p:sp>
       <p:pic>
         <p:nvPicPr>
-          <p:cNvPr id="3" name="Image 2">
-            <a:extLst>
-              <a:ext uri="{FF2B5EF4-FFF2-40B4-BE49-F238E27FC236}">
-                <a16:creationId xmlns:a16="http://schemas.microsoft.com/office/drawing/2014/main" id="{8FD351F0-A856-4E61-A87E-6BEBB8C099D0}"/>
+          <p:cNvPr id="11" name="Image 10">
+            <a:extLst>
+              <a:ext uri="{FF2B5EF4-FFF2-40B4-BE49-F238E27FC236}">
+                <a16:creationId xmlns:a16="http://schemas.microsoft.com/office/drawing/2014/main" id="{7E207309-F17F-49C1-823E-5E4674F4495B}"/>
               </a:ext>
             </a:extLst>
           </p:cNvPr>
@@ -3577,42 +3526,6 @@
         </p:nvPicPr>
         <p:blipFill>
           <a:blip r:embed="rId3">
-            <a:extLst>
-              <a:ext uri="{28A0092B-C50C-407E-A947-70E740481C1C}">
-                <a14:useLocalDpi xmlns:a14="http://schemas.microsoft.com/office/drawing/2010/main" val="0"/>
-              </a:ext>
-            </a:extLst>
-          </a:blip>
-          <a:stretch>
-            <a:fillRect/>
-          </a:stretch>
-        </p:blipFill>
-        <p:spPr>
-          <a:xfrm>
-            <a:off x="10396151" y="5204498"/>
-            <a:ext cx="1161535" cy="1168839"/>
-          </a:xfrm>
-          <a:prstGeom prst="rect">
-            <a:avLst/>
-          </a:prstGeom>
-        </p:spPr>
-      </p:pic>
-      <p:pic>
-        <p:nvPicPr>
-          <p:cNvPr id="11" name="Image 10">
-            <a:extLst>
-              <a:ext uri="{FF2B5EF4-FFF2-40B4-BE49-F238E27FC236}">
-                <a16:creationId xmlns:a16="http://schemas.microsoft.com/office/drawing/2014/main" id="{7E207309-F17F-49C1-823E-5E4674F4495B}"/>
-              </a:ext>
-            </a:extLst>
-          </p:cNvPr>
-          <p:cNvPicPr>
-            <a:picLocks noChangeAspect="1"/>
-          </p:cNvPicPr>
-          <p:nvPr/>
-        </p:nvPicPr>
-        <p:blipFill>
-          <a:blip r:embed="rId4">
             <a:extLst>
               <a:ext uri="{28A0092B-C50C-407E-A947-70E740481C1C}">
                 <a14:useLocalDpi xmlns:a14="http://schemas.microsoft.com/office/drawing/2010/main" val="0"/>
@@ -3648,7 +3561,7 @@
           <p:nvPr/>
         </p:nvPicPr>
         <p:blipFill>
-          <a:blip r:embed="rId5">
+          <a:blip r:embed="rId4">
             <a:extLst>
               <a:ext uri="{28A0092B-C50C-407E-A947-70E740481C1C}">
                 <a14:useLocalDpi xmlns:a14="http://schemas.microsoft.com/office/drawing/2010/main" val="0"/>
@@ -3745,114 +3658,6 @@
           </a:p>
         </p:txBody>
       </p:sp>
-      <p:pic>
-        <p:nvPicPr>
-          <p:cNvPr id="17" name="Image 16">
-            <a:extLst>
-              <a:ext uri="{FF2B5EF4-FFF2-40B4-BE49-F238E27FC236}">
-                <a16:creationId xmlns:a16="http://schemas.microsoft.com/office/drawing/2014/main" id="{1C6932C9-8A43-47FA-9BE3-73EDACE8130F}"/>
-              </a:ext>
-            </a:extLst>
-          </p:cNvPr>
-          <p:cNvPicPr>
-            <a:picLocks noChangeAspect="1"/>
-          </p:cNvPicPr>
-          <p:nvPr/>
-        </p:nvPicPr>
-        <p:blipFill>
-          <a:blip r:embed="rId6">
-            <a:extLst>
-              <a:ext uri="{28A0092B-C50C-407E-A947-70E740481C1C}">
-                <a14:useLocalDpi xmlns:a14="http://schemas.microsoft.com/office/drawing/2010/main" val="0"/>
-              </a:ext>
-            </a:extLst>
-          </a:blip>
-          <a:stretch>
-            <a:fillRect/>
-          </a:stretch>
-        </p:blipFill>
-        <p:spPr>
-          <a:xfrm>
-            <a:off x="8161168" y="3598056"/>
-            <a:ext cx="618482" cy="618482"/>
-          </a:xfrm>
-          <a:prstGeom prst="rect">
-            <a:avLst/>
-          </a:prstGeom>
-        </p:spPr>
-      </p:pic>
-      <p:pic>
-        <p:nvPicPr>
-          <p:cNvPr id="19" name="Image 18">
-            <a:extLst>
-              <a:ext uri="{FF2B5EF4-FFF2-40B4-BE49-F238E27FC236}">
-                <a16:creationId xmlns:a16="http://schemas.microsoft.com/office/drawing/2014/main" id="{2FAEB3EA-CF75-498F-A54C-254405A0114C}"/>
-              </a:ext>
-            </a:extLst>
-          </p:cNvPr>
-          <p:cNvPicPr>
-            <a:picLocks noChangeAspect="1"/>
-          </p:cNvPicPr>
-          <p:nvPr/>
-        </p:nvPicPr>
-        <p:blipFill>
-          <a:blip r:embed="rId6">
-            <a:extLst>
-              <a:ext uri="{28A0092B-C50C-407E-A947-70E740481C1C}">
-                <a14:useLocalDpi xmlns:a14="http://schemas.microsoft.com/office/drawing/2010/main" val="0"/>
-              </a:ext>
-            </a:extLst>
-          </a:blip>
-          <a:stretch>
-            <a:fillRect/>
-          </a:stretch>
-        </p:blipFill>
-        <p:spPr>
-          <a:xfrm>
-            <a:off x="6684282" y="2342251"/>
-            <a:ext cx="618482" cy="618482"/>
-          </a:xfrm>
-          <a:prstGeom prst="rect">
-            <a:avLst/>
-          </a:prstGeom>
-        </p:spPr>
-      </p:pic>
-      <p:pic>
-        <p:nvPicPr>
-          <p:cNvPr id="20" name="Image 19">
-            <a:extLst>
-              <a:ext uri="{FF2B5EF4-FFF2-40B4-BE49-F238E27FC236}">
-                <a16:creationId xmlns:a16="http://schemas.microsoft.com/office/drawing/2014/main" id="{7972847F-194F-48FF-A7FB-DAE235FEE804}"/>
-              </a:ext>
-            </a:extLst>
-          </p:cNvPr>
-          <p:cNvPicPr>
-            <a:picLocks noChangeAspect="1"/>
-          </p:cNvPicPr>
-          <p:nvPr/>
-        </p:nvPicPr>
-        <p:blipFill>
-          <a:blip r:embed="rId6">
-            <a:extLst>
-              <a:ext uri="{28A0092B-C50C-407E-A947-70E740481C1C}">
-                <a14:useLocalDpi xmlns:a14="http://schemas.microsoft.com/office/drawing/2010/main" val="0"/>
-              </a:ext>
-            </a:extLst>
-          </a:blip>
-          <a:stretch>
-            <a:fillRect/>
-          </a:stretch>
-        </p:blipFill>
-        <p:spPr>
-          <a:xfrm>
-            <a:off x="7102096" y="5734438"/>
-            <a:ext cx="618482" cy="618482"/>
-          </a:xfrm>
-          <a:prstGeom prst="rect">
-            <a:avLst/>
-          </a:prstGeom>
-        </p:spPr>
-      </p:pic>
       <p:sp>
         <p:nvSpPr>
           <p:cNvPr id="2" name="Rectangle 1">
@@ -4100,6 +3905,242 @@
               </a:rPr>
               <a:t>Notes</a:t>
             </a:r>
+          </a:p>
+        </p:txBody>
+      </p:sp>
+      <p:sp>
+        <p:nvSpPr>
+          <p:cNvPr id="7" name="Rectangle 6">
+            <a:extLst>
+              <a:ext uri="{FF2B5EF4-FFF2-40B4-BE49-F238E27FC236}">
+                <a16:creationId xmlns:a16="http://schemas.microsoft.com/office/drawing/2014/main" id="{C13A24A6-C067-4817-BD2E-1A156E74D907}"/>
+              </a:ext>
+            </a:extLst>
+          </p:cNvPr>
+          <p:cNvSpPr/>
+          <p:nvPr/>
+        </p:nvSpPr>
+        <p:spPr>
+          <a:xfrm>
+            <a:off x="7411337" y="276502"/>
+            <a:ext cx="4004523" cy="646331"/>
+          </a:xfrm>
+          <a:prstGeom prst="rect">
+            <a:avLst/>
+          </a:prstGeom>
+        </p:spPr>
+        <p:style>
+          <a:lnRef idx="1">
+            <a:schemeClr val="accent6"/>
+          </a:lnRef>
+          <a:fillRef idx="2">
+            <a:schemeClr val="accent6"/>
+          </a:fillRef>
+          <a:effectRef idx="1">
+            <a:schemeClr val="accent6"/>
+          </a:effectRef>
+          <a:fontRef idx="minor">
+            <a:schemeClr val="dk1"/>
+          </a:fontRef>
+        </p:style>
+        <p:txBody>
+          <a:bodyPr wrap="square">
+            <a:spAutoFit/>
+          </a:bodyPr>
+          <a:lstStyle/>
+          <a:p>
+            <a:r>
+              <a:rPr lang="fr-CH" sz="3600" dirty="0">
+                <a:solidFill>
+                  <a:schemeClr val="bg1"/>
+                </a:solidFill>
+                <a:latin typeface="Aharoni" panose="02010803020104030203" pitchFamily="2" charset="-79"/>
+                <a:cs typeface="Aharoni" panose="02010803020104030203" pitchFamily="2" charset="-79"/>
+              </a:rPr>
+              <a:t>Ajouter une tâche</a:t>
+            </a:r>
+            <a:endParaRPr lang="fr-CH" sz="3600" dirty="0">
+              <a:solidFill>
+                <a:schemeClr val="bg1"/>
+              </a:solidFill>
+            </a:endParaRPr>
+          </a:p>
+        </p:txBody>
+      </p:sp>
+      <p:sp>
+        <p:nvSpPr>
+          <p:cNvPr id="21" name="Rectangle 20">
+            <a:extLst>
+              <a:ext uri="{FF2B5EF4-FFF2-40B4-BE49-F238E27FC236}">
+                <a16:creationId xmlns:a16="http://schemas.microsoft.com/office/drawing/2014/main" id="{0370DE95-A271-4990-AA09-FA3EA9C138D2}"/>
+              </a:ext>
+            </a:extLst>
+          </p:cNvPr>
+          <p:cNvSpPr/>
+          <p:nvPr/>
+        </p:nvSpPr>
+        <p:spPr>
+          <a:xfrm>
+            <a:off x="6903862" y="2307121"/>
+            <a:ext cx="2485235" cy="646331"/>
+          </a:xfrm>
+          <a:prstGeom prst="rect">
+            <a:avLst/>
+          </a:prstGeom>
+        </p:spPr>
+        <p:style>
+          <a:lnRef idx="1">
+            <a:schemeClr val="accent2"/>
+          </a:lnRef>
+          <a:fillRef idx="3">
+            <a:schemeClr val="accent2"/>
+          </a:fillRef>
+          <a:effectRef idx="2">
+            <a:schemeClr val="accent2"/>
+          </a:effectRef>
+          <a:fontRef idx="minor">
+            <a:schemeClr val="lt1"/>
+          </a:fontRef>
+        </p:style>
+        <p:txBody>
+          <a:bodyPr wrap="square">
+            <a:spAutoFit/>
+          </a:bodyPr>
+          <a:lstStyle/>
+          <a:p>
+            <a:r>
+              <a:rPr lang="fr-CH" sz="3600" dirty="0">
+                <a:solidFill>
+                  <a:schemeClr val="bg1"/>
+                </a:solidFill>
+                <a:latin typeface="Aharoni" panose="02010803020104030203" pitchFamily="2" charset="-79"/>
+                <a:cs typeface="Aharoni" panose="02010803020104030203" pitchFamily="2" charset="-79"/>
+              </a:rPr>
+              <a:t>Supprimer</a:t>
+            </a:r>
+            <a:endParaRPr lang="fr-CH" sz="3600" dirty="0">
+              <a:solidFill>
+                <a:schemeClr val="bg1"/>
+              </a:solidFill>
+            </a:endParaRPr>
+          </a:p>
+        </p:txBody>
+      </p:sp>
+      <p:sp>
+        <p:nvSpPr>
+          <p:cNvPr id="25" name="Rectangle 24">
+            <a:extLst>
+              <a:ext uri="{FF2B5EF4-FFF2-40B4-BE49-F238E27FC236}">
+                <a16:creationId xmlns:a16="http://schemas.microsoft.com/office/drawing/2014/main" id="{6E9B9D22-7542-4CDC-AA3B-12056059BE46}"/>
+              </a:ext>
+            </a:extLst>
+          </p:cNvPr>
+          <p:cNvSpPr/>
+          <p:nvPr/>
+        </p:nvSpPr>
+        <p:spPr>
+          <a:xfrm>
+            <a:off x="8146479" y="3581383"/>
+            <a:ext cx="2485235" cy="646331"/>
+          </a:xfrm>
+          <a:prstGeom prst="rect">
+            <a:avLst/>
+          </a:prstGeom>
+        </p:spPr>
+        <p:style>
+          <a:lnRef idx="1">
+            <a:schemeClr val="accent2"/>
+          </a:lnRef>
+          <a:fillRef idx="3">
+            <a:schemeClr val="accent2"/>
+          </a:fillRef>
+          <a:effectRef idx="2">
+            <a:schemeClr val="accent2"/>
+          </a:effectRef>
+          <a:fontRef idx="minor">
+            <a:schemeClr val="lt1"/>
+          </a:fontRef>
+        </p:style>
+        <p:txBody>
+          <a:bodyPr wrap="square">
+            <a:spAutoFit/>
+          </a:bodyPr>
+          <a:lstStyle/>
+          <a:p>
+            <a:r>
+              <a:rPr lang="fr-CH" sz="3600" dirty="0">
+                <a:solidFill>
+                  <a:schemeClr val="bg1"/>
+                </a:solidFill>
+                <a:latin typeface="Aharoni" panose="02010803020104030203" pitchFamily="2" charset="-79"/>
+                <a:cs typeface="Aharoni" panose="02010803020104030203" pitchFamily="2" charset="-79"/>
+              </a:rPr>
+              <a:t>Supprimer</a:t>
+            </a:r>
+            <a:endParaRPr lang="fr-CH" sz="3600" dirty="0">
+              <a:solidFill>
+                <a:schemeClr val="bg1"/>
+              </a:solidFill>
+            </a:endParaRPr>
+          </a:p>
+        </p:txBody>
+      </p:sp>
+      <p:sp>
+        <p:nvSpPr>
+          <p:cNvPr id="26" name="Rectangle 25">
+            <a:extLst>
+              <a:ext uri="{FF2B5EF4-FFF2-40B4-BE49-F238E27FC236}">
+                <a16:creationId xmlns:a16="http://schemas.microsoft.com/office/drawing/2014/main" id="{865ADAF2-D105-4FBA-B65D-0A3E7DB899DD}"/>
+              </a:ext>
+            </a:extLst>
+          </p:cNvPr>
+          <p:cNvSpPr/>
+          <p:nvPr/>
+        </p:nvSpPr>
+        <p:spPr>
+          <a:xfrm>
+            <a:off x="7229681" y="5708425"/>
+            <a:ext cx="2485235" cy="646331"/>
+          </a:xfrm>
+          <a:prstGeom prst="rect">
+            <a:avLst/>
+          </a:prstGeom>
+        </p:spPr>
+        <p:style>
+          <a:lnRef idx="1">
+            <a:schemeClr val="accent2"/>
+          </a:lnRef>
+          <a:fillRef idx="3">
+            <a:schemeClr val="accent2"/>
+          </a:fillRef>
+          <a:effectRef idx="2">
+            <a:schemeClr val="accent2"/>
+          </a:effectRef>
+          <a:fontRef idx="minor">
+            <a:schemeClr val="lt1"/>
+          </a:fontRef>
+        </p:style>
+        <p:txBody>
+          <a:bodyPr wrap="square">
+            <a:spAutoFit/>
+          </a:bodyPr>
+          <a:lstStyle/>
+          <a:p>
+            <a:r>
+              <a:rPr lang="fr-CH" sz="3600" dirty="0">
+                <a:solidFill>
+                  <a:schemeClr val="bg1"/>
+                </a:solidFill>
+                <a:latin typeface="Aharoni" panose="02010803020104030203" pitchFamily="2" charset="-79"/>
+                <a:cs typeface="Aharoni" panose="02010803020104030203" pitchFamily="2" charset="-79"/>
+              </a:rPr>
+              <a:t>Supprimer</a:t>
+            </a:r>
+            <a:endParaRPr lang="fr-CH" sz="3600" dirty="0">
+              <a:solidFill>
+                <a:schemeClr val="bg1"/>
+              </a:solidFill>
+            </a:endParaRPr>
           </a:p>
         </p:txBody>
       </p:sp>
